--- a/Using Git.pptx
+++ b/Using Git.pptx
@@ -3460,127 +3460,16 @@
           </a:p>
         </p:txBody>
       </p:sp>
-      <p:pic>
-        <p:nvPicPr>
-          <p:cNvPr id="11" name="Picture 10"/>
-          <p:cNvPicPr>
-            <a:picLocks noChangeAspect="1"/>
-          </p:cNvPicPr>
-          <p:nvPr/>
-        </p:nvPicPr>
-        <p:blipFill rotWithShape="1">
-          <a:blip r:embed="rId2">
-            <a:extLst>
-              <a:ext uri="{28A0092B-C50C-407E-A947-70E740481C1C}">
-                <a14:useLocalDpi xmlns:a14="http://schemas.microsoft.com/office/drawing/2010/main" val="0"/>
-              </a:ext>
-            </a:extLst>
-          </a:blip>
-          <a:srcRect t="1" b="49125"/>
-          <a:stretch/>
-        </p:blipFill>
-        <p:spPr>
-          <a:xfrm>
-            <a:off x="485254" y="3841494"/>
-            <a:ext cx="4767349" cy="378309"/>
-          </a:xfrm>
-          <a:prstGeom prst="rect">
-            <a:avLst/>
-          </a:prstGeom>
-        </p:spPr>
-      </p:pic>
-      <p:sp>
-        <p:nvSpPr>
-          <p:cNvPr id="15" name="TextBox 14"/>
-          <p:cNvSpPr txBox="1"/>
-          <p:nvPr/>
-        </p:nvSpPr>
-        <p:spPr>
-          <a:xfrm>
-            <a:off x="485254" y="1961798"/>
-            <a:ext cx="4767349" cy="461665"/>
-          </a:xfrm>
-          <a:prstGeom prst="rect">
-            <a:avLst/>
-          </a:prstGeom>
-          <a:noFill/>
-        </p:spPr>
-        <p:txBody>
-          <a:bodyPr wrap="square" rtlCol="0">
-            <a:spAutoFit/>
-          </a:bodyPr>
-          <a:lstStyle/>
-          <a:p>
-            <a:pPr algn="ctr"/>
-            <a:r>
-              <a:rPr lang="en-GB" sz="2400" dirty="0" smtClean="0">
-                <a:latin typeface="Brandon Grotesque Medium" panose="020B0603020203060202" pitchFamily="34" charset="0"/>
-              </a:rPr>
-              <a:t>Creating a repository</a:t>
-            </a:r>
-            <a:endParaRPr lang="en-GB" sz="2400" dirty="0">
-              <a:latin typeface="Brandon Grotesque Medium" panose="020B0603020203060202" pitchFamily="34" charset="0"/>
-            </a:endParaRPr>
-          </a:p>
-        </p:txBody>
-      </p:sp>
-      <p:sp>
-        <p:nvSpPr>
-          <p:cNvPr id="16" name="TextBox 15"/>
-          <p:cNvSpPr txBox="1"/>
-          <p:nvPr/>
-        </p:nvSpPr>
-        <p:spPr>
-          <a:xfrm>
-            <a:off x="485254" y="3070960"/>
-            <a:ext cx="4767349" cy="646331"/>
-          </a:xfrm>
-          <a:prstGeom prst="rect">
-            <a:avLst/>
-          </a:prstGeom>
-          <a:noFill/>
-        </p:spPr>
-        <p:txBody>
-          <a:bodyPr wrap="square" rtlCol="0">
-            <a:spAutoFit/>
-          </a:bodyPr>
-          <a:lstStyle/>
-          <a:p>
-            <a:pPr algn="ctr"/>
-            <a:r>
-              <a:rPr lang="en-GB" dirty="0" smtClean="0">
-                <a:latin typeface="Brandon Grotesque Medium" panose="020B0603020203060202" pitchFamily="34" charset="0"/>
-              </a:rPr>
-              <a:t>Use cd to change directory to the desired repository location and enter “</a:t>
-            </a:r>
-            <a:r>
-              <a:rPr lang="en-GB" dirty="0" smtClean="0">
-                <a:latin typeface="Consolas" panose="020B0609020204030204" pitchFamily="49" charset="0"/>
-              </a:rPr>
-              <a:t>git init</a:t>
-            </a:r>
-            <a:r>
-              <a:rPr lang="en-GB" dirty="0" smtClean="0">
-                <a:latin typeface="Brandon Grotesque Medium" panose="020B0603020203060202" pitchFamily="34" charset="0"/>
-              </a:rPr>
-              <a:t>”</a:t>
-            </a:r>
-            <a:endParaRPr lang="en-GB" dirty="0">
-              <a:latin typeface="Brandon Grotesque Medium" panose="020B0603020203060202" pitchFamily="34" charset="0"/>
-            </a:endParaRPr>
-          </a:p>
-        </p:txBody>
-      </p:sp>
-      <p:sp>
-        <p:nvSpPr>
-          <p:cNvPr id="4" name="Rounded Rectangle 3"/>
+      <p:sp>
+        <p:nvSpPr>
+          <p:cNvPr id="24" name="Rounded Rectangle 23"/>
           <p:cNvSpPr/>
           <p:nvPr/>
         </p:nvSpPr>
         <p:spPr>
           <a:xfrm>
-            <a:off x="2061556" y="2514026"/>
-            <a:ext cx="1429789" cy="488665"/>
+            <a:off x="443692" y="3792019"/>
+            <a:ext cx="4858788" cy="488665"/>
           </a:xfrm>
           <a:prstGeom prst="roundRect">
             <a:avLst/>
@@ -3614,16 +3503,45 @@
           </a:p>
         </p:txBody>
       </p:sp>
-      <p:sp>
-        <p:nvSpPr>
-          <p:cNvPr id="17" name="TextBox 16"/>
+      <p:pic>
+        <p:nvPicPr>
+          <p:cNvPr id="11" name="Picture 10"/>
+          <p:cNvPicPr>
+            <a:picLocks noChangeAspect="1"/>
+          </p:cNvPicPr>
+          <p:nvPr/>
+        </p:nvPicPr>
+        <p:blipFill rotWithShape="1">
+          <a:blip r:embed="rId2">
+            <a:extLst>
+              <a:ext uri="{28A0092B-C50C-407E-A947-70E740481C1C}">
+                <a14:useLocalDpi xmlns:a14="http://schemas.microsoft.com/office/drawing/2010/main" val="0"/>
+              </a:ext>
+            </a:extLst>
+          </a:blip>
+          <a:srcRect t="1" b="49125"/>
+          <a:stretch/>
+        </p:blipFill>
+        <p:spPr>
+          <a:xfrm>
+            <a:off x="485254" y="3841494"/>
+            <a:ext cx="4767349" cy="378309"/>
+          </a:xfrm>
+          <a:prstGeom prst="rect">
+            <a:avLst/>
+          </a:prstGeom>
+        </p:spPr>
+      </p:pic>
+      <p:sp>
+        <p:nvSpPr>
+          <p:cNvPr id="15" name="TextBox 14"/>
           <p:cNvSpPr txBox="1"/>
           <p:nvPr/>
         </p:nvSpPr>
         <p:spPr>
           <a:xfrm>
-            <a:off x="2169622" y="2563904"/>
-            <a:ext cx="1213658" cy="369332"/>
+            <a:off x="485254" y="1961798"/>
+            <a:ext cx="4767349" cy="461665"/>
           </a:xfrm>
           <a:prstGeom prst="rect">
             <a:avLst/>
@@ -3636,42 +3554,28 @@
           </a:bodyPr>
           <a:lstStyle/>
           <a:p>
-            <a:r>
-              <a:rPr lang="en-GB" dirty="0">
-                <a:solidFill>
-                  <a:schemeClr val="bg1"/>
-                </a:solidFill>
-                <a:latin typeface="Consolas" panose="020B0609020204030204" pitchFamily="49" charset="0"/>
+            <a:pPr algn="ctr"/>
+            <a:r>
+              <a:rPr lang="en-GB" sz="2400" dirty="0" smtClean="0">
+                <a:latin typeface="Brandon Grotesque Medium" panose="020B0603020203060202" pitchFamily="34" charset="0"/>
               </a:rPr>
-              <a:t>g</a:t>
-            </a:r>
-            <a:r>
-              <a:rPr lang="en-GB" dirty="0" smtClean="0">
-                <a:solidFill>
-                  <a:schemeClr val="bg1"/>
-                </a:solidFill>
-                <a:latin typeface="Consolas" panose="020B0609020204030204" pitchFamily="49" charset="0"/>
-              </a:rPr>
-              <a:t>it init</a:t>
-            </a:r>
-            <a:endParaRPr lang="en-GB" dirty="0">
-              <a:solidFill>
-                <a:schemeClr val="bg1"/>
-              </a:solidFill>
-              <a:latin typeface="Consolas" panose="020B0609020204030204" pitchFamily="49" charset="0"/>
+              <a:t>Creating a repository</a:t>
+            </a:r>
+            <a:endParaRPr lang="en-GB" sz="2400" dirty="0">
+              <a:latin typeface="Brandon Grotesque Medium" panose="020B0603020203060202" pitchFamily="34" charset="0"/>
             </a:endParaRPr>
           </a:p>
         </p:txBody>
       </p:sp>
       <p:sp>
         <p:nvSpPr>
-          <p:cNvPr id="19" name="TextBox 18"/>
+          <p:cNvPr id="16" name="TextBox 15"/>
           <p:cNvSpPr txBox="1"/>
           <p:nvPr/>
         </p:nvSpPr>
         <p:spPr>
           <a:xfrm>
-            <a:off x="485254" y="4351031"/>
+            <a:off x="485254" y="3070960"/>
             <a:ext cx="4767349" cy="646331"/>
           </a:xfrm>
           <a:prstGeom prst="rect">
@@ -3690,7 +3594,19 @@
               <a:rPr lang="en-GB" dirty="0" smtClean="0">
                 <a:latin typeface="Brandon Grotesque Medium" panose="020B0603020203060202" pitchFamily="34" charset="0"/>
               </a:rPr>
-              <a:t>This will setup up the structure and files needed for your repository to function</a:t>
+              <a:t>Use cd to change directory to the desired repository location and enter “</a:t>
+            </a:r>
+            <a:r>
+              <a:rPr lang="en-GB" dirty="0" smtClean="0">
+                <a:latin typeface="Consolas" panose="020B0609020204030204" pitchFamily="49" charset="0"/>
+              </a:rPr>
+              <a:t>git init</a:t>
+            </a:r>
+            <a:r>
+              <a:rPr lang="en-GB" dirty="0" smtClean="0">
+                <a:latin typeface="Brandon Grotesque Medium" panose="020B0603020203060202" pitchFamily="34" charset="0"/>
+              </a:rPr>
+              <a:t>”</a:t>
             </a:r>
             <a:endParaRPr lang="en-GB" dirty="0">
               <a:latin typeface="Brandon Grotesque Medium" panose="020B0603020203060202" pitchFamily="34" charset="0"/>
@@ -3700,14 +3616,14 @@
       </p:sp>
       <p:sp>
         <p:nvSpPr>
-          <p:cNvPr id="20" name="Rounded Rectangle 19"/>
+          <p:cNvPr id="4" name="Rounded Rectangle 3"/>
           <p:cNvSpPr/>
           <p:nvPr/>
         </p:nvSpPr>
         <p:spPr>
           <a:xfrm>
-            <a:off x="6450677" y="3378219"/>
-            <a:ext cx="1487978" cy="374197"/>
+            <a:off x="2061556" y="2514026"/>
+            <a:ext cx="1429789" cy="488665"/>
           </a:xfrm>
           <a:prstGeom prst="roundRect">
             <a:avLst/>
@@ -3743,6 +3659,133 @@
       </p:sp>
       <p:sp>
         <p:nvSpPr>
+          <p:cNvPr id="17" name="TextBox 16"/>
+          <p:cNvSpPr txBox="1"/>
+          <p:nvPr/>
+        </p:nvSpPr>
+        <p:spPr>
+          <a:xfrm>
+            <a:off x="2169622" y="2563904"/>
+            <a:ext cx="1213658" cy="369332"/>
+          </a:xfrm>
+          <a:prstGeom prst="rect">
+            <a:avLst/>
+          </a:prstGeom>
+          <a:noFill/>
+        </p:spPr>
+        <p:txBody>
+          <a:bodyPr wrap="square" rtlCol="0">
+            <a:spAutoFit/>
+          </a:bodyPr>
+          <a:lstStyle/>
+          <a:p>
+            <a:r>
+              <a:rPr lang="en-GB" dirty="0">
+                <a:solidFill>
+                  <a:schemeClr val="bg1"/>
+                </a:solidFill>
+                <a:latin typeface="Consolas" panose="020B0609020204030204" pitchFamily="49" charset="0"/>
+              </a:rPr>
+              <a:t>g</a:t>
+            </a:r>
+            <a:r>
+              <a:rPr lang="en-GB" dirty="0" smtClean="0">
+                <a:solidFill>
+                  <a:schemeClr val="bg1"/>
+                </a:solidFill>
+                <a:latin typeface="Consolas" panose="020B0609020204030204" pitchFamily="49" charset="0"/>
+              </a:rPr>
+              <a:t>it init</a:t>
+            </a:r>
+            <a:endParaRPr lang="en-GB" dirty="0">
+              <a:solidFill>
+                <a:schemeClr val="bg1"/>
+              </a:solidFill>
+              <a:latin typeface="Consolas" panose="020B0609020204030204" pitchFamily="49" charset="0"/>
+            </a:endParaRPr>
+          </a:p>
+        </p:txBody>
+      </p:sp>
+      <p:sp>
+        <p:nvSpPr>
+          <p:cNvPr id="19" name="TextBox 18"/>
+          <p:cNvSpPr txBox="1"/>
+          <p:nvPr/>
+        </p:nvSpPr>
+        <p:spPr>
+          <a:xfrm>
+            <a:off x="485254" y="4351031"/>
+            <a:ext cx="4767349" cy="646331"/>
+          </a:xfrm>
+          <a:prstGeom prst="rect">
+            <a:avLst/>
+          </a:prstGeom>
+          <a:noFill/>
+        </p:spPr>
+        <p:txBody>
+          <a:bodyPr wrap="square" rtlCol="0">
+            <a:spAutoFit/>
+          </a:bodyPr>
+          <a:lstStyle/>
+          <a:p>
+            <a:pPr algn="ctr"/>
+            <a:r>
+              <a:rPr lang="en-GB" dirty="0" smtClean="0">
+                <a:latin typeface="Brandon Grotesque Medium" panose="020B0603020203060202" pitchFamily="34" charset="0"/>
+              </a:rPr>
+              <a:t>This will setup up the structure and files needed for your repository to function</a:t>
+            </a:r>
+            <a:endParaRPr lang="en-GB" dirty="0">
+              <a:latin typeface="Brandon Grotesque Medium" panose="020B0603020203060202" pitchFamily="34" charset="0"/>
+            </a:endParaRPr>
+          </a:p>
+        </p:txBody>
+      </p:sp>
+      <p:sp>
+        <p:nvSpPr>
+          <p:cNvPr id="20" name="Rounded Rectangle 19"/>
+          <p:cNvSpPr/>
+          <p:nvPr/>
+        </p:nvSpPr>
+        <p:spPr>
+          <a:xfrm>
+            <a:off x="6450677" y="3378219"/>
+            <a:ext cx="1487978" cy="374197"/>
+          </a:xfrm>
+          <a:prstGeom prst="roundRect">
+            <a:avLst/>
+          </a:prstGeom>
+          <a:ln>
+            <a:noFill/>
+          </a:ln>
+        </p:spPr>
+        <p:style>
+          <a:lnRef idx="2">
+            <a:schemeClr val="dk1">
+              <a:shade val="50000"/>
+            </a:schemeClr>
+          </a:lnRef>
+          <a:fillRef idx="1">
+            <a:schemeClr val="dk1"/>
+          </a:fillRef>
+          <a:effectRef idx="0">
+            <a:schemeClr val="dk1"/>
+          </a:effectRef>
+          <a:fontRef idx="minor">
+            <a:schemeClr val="lt1"/>
+          </a:fontRef>
+        </p:style>
+        <p:txBody>
+          <a:bodyPr rtlCol="0" anchor="ctr"/>
+          <a:lstStyle/>
+          <a:p>
+            <a:pPr algn="ctr"/>
+            <a:endParaRPr lang="en-GB"/>
+          </a:p>
+        </p:txBody>
+      </p:sp>
+      <p:sp>
+        <p:nvSpPr>
           <p:cNvPr id="21" name="TextBox 20"/>
           <p:cNvSpPr txBox="1"/>
           <p:nvPr/>
@@ -3787,6 +3830,49 @@
               </a:solidFill>
               <a:latin typeface="Consolas" panose="020B0609020204030204" pitchFamily="49" charset="0"/>
             </a:endParaRPr>
+          </a:p>
+        </p:txBody>
+      </p:sp>
+      <p:sp>
+        <p:nvSpPr>
+          <p:cNvPr id="25" name="Rounded Rectangle 24"/>
+          <p:cNvSpPr/>
+          <p:nvPr/>
+        </p:nvSpPr>
+        <p:spPr>
+          <a:xfrm>
+            <a:off x="446458" y="5074951"/>
+            <a:ext cx="4858788" cy="488665"/>
+          </a:xfrm>
+          <a:prstGeom prst="roundRect">
+            <a:avLst/>
+          </a:prstGeom>
+          <a:ln>
+            <a:noFill/>
+          </a:ln>
+        </p:spPr>
+        <p:style>
+          <a:lnRef idx="2">
+            <a:schemeClr val="dk1">
+              <a:shade val="50000"/>
+            </a:schemeClr>
+          </a:lnRef>
+          <a:fillRef idx="1">
+            <a:schemeClr val="dk1"/>
+          </a:fillRef>
+          <a:effectRef idx="0">
+            <a:schemeClr val="dk1"/>
+          </a:effectRef>
+          <a:fontRef idx="minor">
+            <a:schemeClr val="lt1"/>
+          </a:fontRef>
+        </p:style>
+        <p:txBody>
+          <a:bodyPr rtlCol="0" anchor="ctr"/>
+          <a:lstStyle/>
+          <a:p>
+            <a:pPr algn="ctr"/>
+            <a:endParaRPr lang="en-GB"/>
           </a:p>
         </p:txBody>
       </p:sp>
